--- a/The Battle of Endor.20170207.pptx
+++ b/The Battle of Endor.20170207.pptx
@@ -12,9 +12,6 @@
     <p:sldId id="263" r:id="rId6"/>
     <p:sldId id="265" r:id="rId7"/>
     <p:sldId id="264" r:id="rId8"/>
-    <p:sldId id="262" r:id="rId9"/>
-    <p:sldId id="261" r:id="rId10"/>
-    <p:sldId id="260" r:id="rId11"/>
   </p:sldIdLst>
   <p:sldSz cx="12192000" cy="6858000"/>
   <p:notesSz cx="6858000" cy="9144000"/>
@@ -12481,100 +12478,6 @@
     <p:extLst>
       <p:ext uri="{BB962C8B-B14F-4D97-AF65-F5344CB8AC3E}">
         <p14:creationId xmlns:p14="http://schemas.microsoft.com/office/powerpoint/2010/main" val="306491312"/>
-      </p:ext>
-    </p:extLst>
-  </p:cSld>
-  <p:clrMapOvr>
-    <a:masterClrMapping/>
-  </p:clrMapOvr>
-</p:sld>
-</file>
-
-<file path=ppt/slides/slide10.xml><?xml version="1.0" encoding="utf-8"?>
-<p:sld xmlns:a="http://schemas.openxmlformats.org/drawingml/2006/main" xmlns:r="http://schemas.openxmlformats.org/officeDocument/2006/relationships" xmlns:p="http://schemas.openxmlformats.org/presentationml/2006/main">
-  <p:cSld>
-    <p:bg>
-      <p:bgPr>
-        <a:solidFill>
-          <a:schemeClr val="bg1">
-            <a:lumMod val="65000"/>
-            <a:lumOff val="35000"/>
-          </a:schemeClr>
-        </a:solidFill>
-        <a:effectLst/>
-      </p:bgPr>
-    </p:bg>
-    <p:spTree>
-      <p:nvGrpSpPr>
-        <p:cNvPr id="1" name=""/>
-        <p:cNvGrpSpPr/>
-        <p:nvPr/>
-      </p:nvGrpSpPr>
-      <p:grpSpPr>
-        <a:xfrm>
-          <a:off x="0" y="0"/>
-          <a:ext cx="0" cy="0"/>
-          <a:chOff x="0" y="0"/>
-          <a:chExt cx="0" cy="0"/>
-        </a:xfrm>
-      </p:grpSpPr>
-      <p:pic>
-        <p:nvPicPr>
-          <p:cNvPr id="4" name="Picture 3"/>
-          <p:cNvPicPr>
-            <a:picLocks noChangeAspect="1"/>
-          </p:cNvPicPr>
-          <p:nvPr/>
-        </p:nvPicPr>
-        <p:blipFill>
-          <a:blip r:embed="rId2"/>
-          <a:stretch>
-            <a:fillRect/>
-          </a:stretch>
-        </p:blipFill>
-        <p:spPr>
-          <a:xfrm>
-            <a:off x="8420760" y="373758"/>
-            <a:ext cx="3294562" cy="1324414"/>
-          </a:xfrm>
-          <a:prstGeom prst="rect">
-            <a:avLst/>
-          </a:prstGeom>
-        </p:spPr>
-      </p:pic>
-      <p:sp>
-        <p:nvSpPr>
-          <p:cNvPr id="3" name="TextBox 2"/>
-          <p:cNvSpPr txBox="1"/>
-          <p:nvPr/>
-        </p:nvSpPr>
-        <p:spPr>
-          <a:xfrm>
-            <a:off x="8850396" y="6250595"/>
-            <a:ext cx="4058817" cy="400110"/>
-          </a:xfrm>
-          <a:prstGeom prst="rect">
-            <a:avLst/>
-          </a:prstGeom>
-          <a:noFill/>
-        </p:spPr>
-        <p:txBody>
-          <a:bodyPr wrap="square" rtlCol="0">
-            <a:spAutoFit/>
-          </a:bodyPr>
-          <a:lstStyle/>
-          <a:p>
-            <a:r>
-              <a:rPr lang="en-US" sz="2000" dirty="0"/>
-              <a:t>www.konoanalytics.com</a:t>
-            </a:r>
-          </a:p>
-        </p:txBody>
-      </p:sp>
-    </p:spTree>
-    <p:extLst>
-      <p:ext uri="{BB962C8B-B14F-4D97-AF65-F5344CB8AC3E}">
-        <p14:creationId xmlns:p14="http://schemas.microsoft.com/office/powerpoint/2010/main" val="723365838"/>
       </p:ext>
     </p:extLst>
   </p:cSld>
@@ -14476,194 +14379,6 @@
 </p:sld>
 </file>
 
-<file path=ppt/slides/slide8.xml><?xml version="1.0" encoding="utf-8"?>
-<p:sld xmlns:a="http://schemas.openxmlformats.org/drawingml/2006/main" xmlns:r="http://schemas.openxmlformats.org/officeDocument/2006/relationships" xmlns:p="http://schemas.openxmlformats.org/presentationml/2006/main">
-  <p:cSld>
-    <p:bg>
-      <p:bgPr>
-        <a:solidFill>
-          <a:schemeClr val="bg1">
-            <a:lumMod val="65000"/>
-            <a:lumOff val="35000"/>
-          </a:schemeClr>
-        </a:solidFill>
-        <a:effectLst/>
-      </p:bgPr>
-    </p:bg>
-    <p:spTree>
-      <p:nvGrpSpPr>
-        <p:cNvPr id="1" name=""/>
-        <p:cNvGrpSpPr/>
-        <p:nvPr/>
-      </p:nvGrpSpPr>
-      <p:grpSpPr>
-        <a:xfrm>
-          <a:off x="0" y="0"/>
-          <a:ext cx="0" cy="0"/>
-          <a:chOff x="0" y="0"/>
-          <a:chExt cx="0" cy="0"/>
-        </a:xfrm>
-      </p:grpSpPr>
-      <p:pic>
-        <p:nvPicPr>
-          <p:cNvPr id="4" name="Picture 3"/>
-          <p:cNvPicPr>
-            <a:picLocks noChangeAspect="1"/>
-          </p:cNvPicPr>
-          <p:nvPr/>
-        </p:nvPicPr>
-        <p:blipFill>
-          <a:blip r:embed="rId2"/>
-          <a:stretch>
-            <a:fillRect/>
-          </a:stretch>
-        </p:blipFill>
-        <p:spPr>
-          <a:xfrm>
-            <a:off x="8420760" y="373758"/>
-            <a:ext cx="3294562" cy="1324414"/>
-          </a:xfrm>
-          <a:prstGeom prst="rect">
-            <a:avLst/>
-          </a:prstGeom>
-        </p:spPr>
-      </p:pic>
-      <p:sp>
-        <p:nvSpPr>
-          <p:cNvPr id="3" name="TextBox 2"/>
-          <p:cNvSpPr txBox="1"/>
-          <p:nvPr/>
-        </p:nvSpPr>
-        <p:spPr>
-          <a:xfrm>
-            <a:off x="8850396" y="6250595"/>
-            <a:ext cx="4058817" cy="400110"/>
-          </a:xfrm>
-          <a:prstGeom prst="rect">
-            <a:avLst/>
-          </a:prstGeom>
-          <a:noFill/>
-        </p:spPr>
-        <p:txBody>
-          <a:bodyPr wrap="square" rtlCol="0">
-            <a:spAutoFit/>
-          </a:bodyPr>
-          <a:lstStyle/>
-          <a:p>
-            <a:r>
-              <a:rPr lang="en-US" sz="2000" dirty="0"/>
-              <a:t>www.konoanalytics.com</a:t>
-            </a:r>
-          </a:p>
-        </p:txBody>
-      </p:sp>
-    </p:spTree>
-    <p:extLst>
-      <p:ext uri="{BB962C8B-B14F-4D97-AF65-F5344CB8AC3E}">
-        <p14:creationId xmlns:p14="http://schemas.microsoft.com/office/powerpoint/2010/main" val="250843145"/>
-      </p:ext>
-    </p:extLst>
-  </p:cSld>
-  <p:clrMapOvr>
-    <a:masterClrMapping/>
-  </p:clrMapOvr>
-</p:sld>
-</file>
-
-<file path=ppt/slides/slide9.xml><?xml version="1.0" encoding="utf-8"?>
-<p:sld xmlns:a="http://schemas.openxmlformats.org/drawingml/2006/main" xmlns:r="http://schemas.openxmlformats.org/officeDocument/2006/relationships" xmlns:p="http://schemas.openxmlformats.org/presentationml/2006/main">
-  <p:cSld>
-    <p:bg>
-      <p:bgPr>
-        <a:solidFill>
-          <a:schemeClr val="bg1">
-            <a:lumMod val="65000"/>
-            <a:lumOff val="35000"/>
-          </a:schemeClr>
-        </a:solidFill>
-        <a:effectLst/>
-      </p:bgPr>
-    </p:bg>
-    <p:spTree>
-      <p:nvGrpSpPr>
-        <p:cNvPr id="1" name=""/>
-        <p:cNvGrpSpPr/>
-        <p:nvPr/>
-      </p:nvGrpSpPr>
-      <p:grpSpPr>
-        <a:xfrm>
-          <a:off x="0" y="0"/>
-          <a:ext cx="0" cy="0"/>
-          <a:chOff x="0" y="0"/>
-          <a:chExt cx="0" cy="0"/>
-        </a:xfrm>
-      </p:grpSpPr>
-      <p:pic>
-        <p:nvPicPr>
-          <p:cNvPr id="4" name="Picture 3"/>
-          <p:cNvPicPr>
-            <a:picLocks noChangeAspect="1"/>
-          </p:cNvPicPr>
-          <p:nvPr/>
-        </p:nvPicPr>
-        <p:blipFill>
-          <a:blip r:embed="rId2"/>
-          <a:stretch>
-            <a:fillRect/>
-          </a:stretch>
-        </p:blipFill>
-        <p:spPr>
-          <a:xfrm>
-            <a:off x="8420760" y="373758"/>
-            <a:ext cx="3294562" cy="1324414"/>
-          </a:xfrm>
-          <a:prstGeom prst="rect">
-            <a:avLst/>
-          </a:prstGeom>
-        </p:spPr>
-      </p:pic>
-      <p:sp>
-        <p:nvSpPr>
-          <p:cNvPr id="3" name="TextBox 2"/>
-          <p:cNvSpPr txBox="1"/>
-          <p:nvPr/>
-        </p:nvSpPr>
-        <p:spPr>
-          <a:xfrm>
-            <a:off x="8850396" y="6250595"/>
-            <a:ext cx="4058817" cy="400110"/>
-          </a:xfrm>
-          <a:prstGeom prst="rect">
-            <a:avLst/>
-          </a:prstGeom>
-          <a:noFill/>
-        </p:spPr>
-        <p:txBody>
-          <a:bodyPr wrap="square" rtlCol="0">
-            <a:spAutoFit/>
-          </a:bodyPr>
-          <a:lstStyle/>
-          <a:p>
-            <a:r>
-              <a:rPr lang="en-US" sz="2000" dirty="0"/>
-              <a:t>www.konoanalytics.com</a:t>
-            </a:r>
-          </a:p>
-        </p:txBody>
-      </p:sp>
-    </p:spTree>
-    <p:extLst>
-      <p:ext uri="{BB962C8B-B14F-4D97-AF65-F5344CB8AC3E}">
-        <p14:creationId xmlns:p14="http://schemas.microsoft.com/office/powerpoint/2010/main" val="2121086885"/>
-      </p:ext>
-    </p:extLst>
-  </p:cSld>
-  <p:clrMapOvr>
-    <a:masterClrMapping/>
-  </p:clrMapOvr>
-</p:sld>
-</file>
-
 <file path=ppt/theme/theme1.xml><?xml version="1.0" encoding="utf-8"?>
 <a:theme xmlns:a="http://schemas.openxmlformats.org/drawingml/2006/main" name="Circuit">
   <a:themeElements>
